--- a/101DB-Modelling.pptx
+++ b/101DB-Modelling.pptx
@@ -18,7 +18,8 @@
     <p:sldId id="265" r:id="rId12"/>
     <p:sldId id="266" r:id="rId13"/>
     <p:sldId id="267" r:id="rId14"/>
-    <p:sldId id="270" r:id="rId15"/>
+    <p:sldId id="271" r:id="rId15"/>
+    <p:sldId id="270" r:id="rId16"/>
   </p:sldIdLst>
   <p:sldSz cx="12192000" cy="6858000"/>
   <p:notesSz cx="6858000" cy="9144000"/>
@@ -4214,16 +4215,6 @@
           <a:lstStyle/>
           <a:p>
             <a:r>
-              <a:rPr lang="de-DE" dirty="0"/>
-              <a:t>Create a Customer Database</a:t>
-            </a:r>
-            <a:endParaRPr lang="en-US" dirty="0"/>
-          </a:p>
-          <a:p>
-            <a:endParaRPr lang="en-US" dirty="0"/>
-          </a:p>
-          <a:p>
-            <a:r>
               <a:rPr lang="en-US" dirty="0"/>
               <a:t>Karl Störzel is 81 years old, lives in berlin ordered one pizza salmi</a:t>
             </a:r>
@@ -4642,42 +4633,9 @@
         <p:spPr/>
         <p:txBody>
           <a:bodyPr>
-            <a:normAutofit fontScale="55000" lnSpcReduction="20000"/>
+            <a:normAutofit/>
           </a:bodyPr>
           <a:lstStyle/>
-          <a:p>
-            <a:r>
-              <a:rPr lang="en-US" dirty="0">
-                <a:hlinkClick r:id="rId2"/>
-              </a:rPr>
-              <a:t>https://www.w3schools.com/sql/sql_create_db.asp</a:t>
-            </a:r>
-            <a:endParaRPr lang="en-US" dirty="0"/>
-          </a:p>
-          <a:p>
-            <a:r>
-              <a:rPr lang="en-US" dirty="0">
-                <a:hlinkClick r:id="rId3"/>
-              </a:rPr>
-              <a:t>https://www.w3schools.com/sql/sql_create_table.asp</a:t>
-            </a:r>
-            <a:endParaRPr lang="en-US" dirty="0"/>
-          </a:p>
-          <a:p>
-            <a:r>
-              <a:rPr lang="en-US" dirty="0">
-                <a:hlinkClick r:id="rId4"/>
-              </a:rPr>
-              <a:t>https://www.w3schools.com/sql/sql_alter.asp</a:t>
-            </a:r>
-            <a:endParaRPr lang="en-US" dirty="0"/>
-          </a:p>
-          <a:p>
-            <a:r>
-              <a:rPr lang="en-US" dirty="0"/>
-              <a:t>…</a:t>
-            </a:r>
-          </a:p>
           <a:p>
             <a:endParaRPr lang="en-US" dirty="0"/>
           </a:p>
@@ -4718,6 +4676,250 @@
           <p:cNvPr id="4" name="Titel 3">
             <a:extLst>
               <a:ext uri="{FF2B5EF4-FFF2-40B4-BE49-F238E27FC236}">
+                <a16:creationId xmlns:a16="http://schemas.microsoft.com/office/drawing/2014/main" id="{197F234C-50B8-427C-89D3-7CF001515C16}"/>
+              </a:ext>
+            </a:extLst>
+          </p:cNvPr>
+          <p:cNvSpPr>
+            <a:spLocks noGrp="1"/>
+          </p:cNvSpPr>
+          <p:nvPr>
+            <p:ph type="title"/>
+          </p:nvPr>
+        </p:nvSpPr>
+        <p:spPr/>
+        <p:txBody>
+          <a:bodyPr/>
+          <a:lstStyle/>
+          <a:p>
+            <a:r>
+              <a:rPr lang="de-DE" dirty="0"/>
+              <a:t>Task</a:t>
+            </a:r>
+            <a:endParaRPr lang="en-US" dirty="0"/>
+          </a:p>
+        </p:txBody>
+      </p:sp>
+      <p:sp>
+        <p:nvSpPr>
+          <p:cNvPr id="5" name="Inhaltsplatzhalter 4">
+            <a:extLst>
+              <a:ext uri="{FF2B5EF4-FFF2-40B4-BE49-F238E27FC236}">
+                <a16:creationId xmlns:a16="http://schemas.microsoft.com/office/drawing/2014/main" id="{4E39E8E8-4626-4D9E-B286-D9B9A9BD308F}"/>
+              </a:ext>
+            </a:extLst>
+          </p:cNvPr>
+          <p:cNvSpPr>
+            <a:spLocks noGrp="1"/>
+          </p:cNvSpPr>
+          <p:nvPr>
+            <p:ph idx="1"/>
+          </p:nvPr>
+        </p:nvSpPr>
+        <p:spPr/>
+        <p:txBody>
+          <a:bodyPr>
+            <a:normAutofit lnSpcReduction="10000"/>
+          </a:bodyPr>
+          <a:lstStyle/>
+          <a:p>
+            <a:r>
+              <a:rPr lang="de-DE" dirty="0"/>
+              <a:t>Create </a:t>
+            </a:r>
+            <a:r>
+              <a:rPr lang="de-DE" dirty="0" err="1"/>
+              <a:t>the</a:t>
+            </a:r>
+            <a:r>
+              <a:rPr lang="de-DE" dirty="0"/>
+              <a:t> </a:t>
+            </a:r>
+            <a:r>
+              <a:rPr lang="de-DE" dirty="0" err="1"/>
+              <a:t>databases</a:t>
+            </a:r>
+            <a:r>
+              <a:rPr lang="de-DE" dirty="0"/>
+              <a:t> </a:t>
+            </a:r>
+            <a:r>
+              <a:rPr lang="de-DE" dirty="0" err="1"/>
+              <a:t>from</a:t>
+            </a:r>
+            <a:r>
+              <a:rPr lang="de-DE" dirty="0"/>
+              <a:t> </a:t>
+            </a:r>
+            <a:r>
+              <a:rPr lang="de-DE" dirty="0" err="1"/>
+              <a:t>previus</a:t>
+            </a:r>
+            <a:r>
+              <a:rPr lang="de-DE" dirty="0"/>
+              <a:t> </a:t>
+            </a:r>
+            <a:r>
+              <a:rPr lang="de-DE" dirty="0" err="1"/>
+              <a:t>tasks</a:t>
+            </a:r>
+            <a:r>
+              <a:rPr lang="de-DE" dirty="0"/>
+              <a:t> </a:t>
+            </a:r>
+            <a:br>
+              <a:rPr lang="de-DE" dirty="0"/>
+            </a:br>
+            <a:r>
+              <a:rPr lang="de-DE" dirty="0"/>
+              <a:t>via </a:t>
+            </a:r>
+            <a:r>
+              <a:rPr lang="de-DE" dirty="0" err="1"/>
+              <a:t>sql</a:t>
+            </a:r>
+            <a:r>
+              <a:rPr lang="de-DE" dirty="0"/>
+              <a:t> </a:t>
+            </a:r>
+            <a:r>
+              <a:rPr lang="de-DE" dirty="0" err="1"/>
+              <a:t>commands</a:t>
+            </a:r>
+            <a:r>
+              <a:rPr lang="de-DE" dirty="0"/>
+              <a:t> </a:t>
+            </a:r>
+            <a:r>
+              <a:rPr lang="de-DE" dirty="0" err="1"/>
+              <a:t>inside</a:t>
+            </a:r>
+            <a:r>
+              <a:rPr lang="de-DE" dirty="0"/>
+              <a:t> </a:t>
+            </a:r>
+            <a:r>
+              <a:rPr lang="de-DE" dirty="0" err="1"/>
+              <a:t>the</a:t>
+            </a:r>
+            <a:r>
+              <a:rPr lang="de-DE" dirty="0"/>
+              <a:t> </a:t>
+            </a:r>
+            <a:r>
+              <a:rPr lang="de-DE" dirty="0" err="1"/>
+              <a:t>repo</a:t>
+            </a:r>
+            <a:r>
+              <a:rPr lang="de-DE" dirty="0"/>
+              <a:t> – </a:t>
+            </a:r>
+            <a:r>
+              <a:rPr lang="de-DE" dirty="0" err="1"/>
+              <a:t>mydb.sql</a:t>
+            </a:r>
+            <a:endParaRPr lang="de-DE" dirty="0"/>
+          </a:p>
+          <a:p>
+            <a:r>
+              <a:rPr lang="en-US" dirty="0" err="1">
+                <a:hlinkClick r:id="rId2"/>
+              </a:rPr>
+              <a:t>git@github.com:ImCookiieZ</a:t>
+            </a:r>
+            <a:r>
+              <a:rPr lang="en-US" dirty="0">
+                <a:hlinkClick r:id="rId2"/>
+              </a:rPr>
+              <a:t>/101DB-Modelling.git</a:t>
+            </a:r>
+            <a:endParaRPr lang="en-US" dirty="0"/>
+          </a:p>
+          <a:p>
+            <a:r>
+              <a:rPr lang="en-US" dirty="0"/>
+              <a:t>Tell me when there are questions problems or you are done</a:t>
+            </a:r>
+          </a:p>
+          <a:p>
+            <a:endParaRPr lang="en-US" dirty="0"/>
+          </a:p>
+          <a:p>
+            <a:r>
+              <a:rPr lang="en-US" dirty="0"/>
+              <a:t>References:</a:t>
+            </a:r>
+          </a:p>
+          <a:p>
+            <a:r>
+              <a:rPr lang="en-US" dirty="0">
+                <a:hlinkClick r:id="rId3"/>
+              </a:rPr>
+              <a:t>https://www.w3schools.com/sql/sql_create_db.asp</a:t>
+            </a:r>
+            <a:endParaRPr lang="en-US" dirty="0"/>
+          </a:p>
+          <a:p>
+            <a:r>
+              <a:rPr lang="en-US" dirty="0">
+                <a:hlinkClick r:id="rId4"/>
+              </a:rPr>
+              <a:t>https://www.w3schools.com/sql/sql_create_table.asp</a:t>
+            </a:r>
+            <a:endParaRPr lang="en-US" dirty="0"/>
+          </a:p>
+          <a:p>
+            <a:r>
+              <a:rPr lang="en-US" dirty="0">
+                <a:hlinkClick r:id="rId5"/>
+              </a:rPr>
+              <a:t>https://www.w3schools.com/sql/sql_alter.asp</a:t>
+            </a:r>
+            <a:endParaRPr lang="en-US" dirty="0"/>
+          </a:p>
+          <a:p>
+            <a:r>
+              <a:rPr lang="en-US" dirty="0"/>
+              <a:t>…</a:t>
+            </a:r>
+          </a:p>
+        </p:txBody>
+      </p:sp>
+    </p:spTree>
+    <p:extLst>
+      <p:ext uri="{BB962C8B-B14F-4D97-AF65-F5344CB8AC3E}">
+        <p14:creationId xmlns:p14="http://schemas.microsoft.com/office/powerpoint/2010/main" val="3923471766"/>
+      </p:ext>
+    </p:extLst>
+  </p:cSld>
+  <p:clrMapOvr>
+    <a:masterClrMapping/>
+  </p:clrMapOvr>
+</p:sld>
+</file>
+
+<file path=ppt/slides/slide15.xml><?xml version="1.0" encoding="utf-8"?>
+<p:sld xmlns:a="http://schemas.openxmlformats.org/drawingml/2006/main" xmlns:r="http://schemas.openxmlformats.org/officeDocument/2006/relationships" xmlns:p="http://schemas.openxmlformats.org/presentationml/2006/main">
+  <p:cSld>
+    <p:spTree>
+      <p:nvGrpSpPr>
+        <p:cNvPr id="1" name=""/>
+        <p:cNvGrpSpPr/>
+        <p:nvPr/>
+      </p:nvGrpSpPr>
+      <p:grpSpPr>
+        <a:xfrm>
+          <a:off x="0" y="0"/>
+          <a:ext cx="0" cy="0"/>
+          <a:chOff x="0" y="0"/>
+          <a:chExt cx="0" cy="0"/>
+        </a:xfrm>
+      </p:grpSpPr>
+      <p:sp>
+        <p:nvSpPr>
+          <p:cNvPr id="4" name="Titel 3">
+            <a:extLst>
+              <a:ext uri="{FF2B5EF4-FFF2-40B4-BE49-F238E27FC236}">
                 <a16:creationId xmlns:a16="http://schemas.microsoft.com/office/drawing/2014/main" id="{A400F088-1958-4584-B385-4ADD58587A79}"/>
               </a:ext>
             </a:extLst>
@@ -4737,14 +4939,6 @@
             <a:r>
               <a:rPr lang="de-DE" dirty="0" err="1"/>
               <a:t>GiTHUB</a:t>
-            </a:r>
-            <a:r>
-              <a:rPr lang="de-DE" dirty="0"/>
-              <a:t> </a:t>
-            </a:r>
-            <a:r>
-              <a:rPr lang="de-DE" dirty="0" err="1"/>
-              <a:t>preperation</a:t>
             </a:r>
             <a:endParaRPr lang="en-US" dirty="0"/>
           </a:p>
@@ -4766,30 +4960,88 @@
             <p:ph idx="1"/>
           </p:nvPr>
         </p:nvSpPr>
-        <p:spPr/>
-        <p:txBody>
-          <a:bodyPr/>
-          <a:lstStyle/>
-          <a:p>
-            <a:r>
-              <a:rPr lang="en-US" dirty="0" err="1">
+        <p:spPr>
+          <a:xfrm>
+            <a:off x="1069848" y="2121408"/>
+            <a:ext cx="6803492" cy="4050792"/>
+          </a:xfrm>
+        </p:spPr>
+        <p:txBody>
+          <a:bodyPr/>
+          <a:lstStyle/>
+          <a:p>
+            <a:r>
+              <a:rPr lang="en-US" dirty="0"/>
+              <a:t>See your </a:t>
+            </a:r>
+            <a:r>
+              <a:rPr lang="en-US" dirty="0" err="1"/>
+              <a:t>db</a:t>
+            </a:r>
+            <a:r>
+              <a:rPr lang="en-US" dirty="0"/>
+              <a:t>: </a:t>
+            </a:r>
+            <a:r>
+              <a:rPr lang="en-US" dirty="0">
                 <a:hlinkClick r:id="rId2"/>
               </a:rPr>
-              <a:t>git@github.com:ImCookiieZ</a:t>
-            </a:r>
-            <a:r>
-              <a:rPr lang="en-US">
-                <a:hlinkClick r:id="rId2"/>
-              </a:rPr>
-              <a:t>/101DB-Modelling.git</a:t>
-            </a:r>
-            <a:endParaRPr lang="en-US"/>
-          </a:p>
-          <a:p>
-            <a:endParaRPr lang="en-US"/>
-          </a:p>
-        </p:txBody>
-      </p:sp>
+              <a:t>http://localhost:8082/?pgsql=db&amp;username=postgres&amp;db=mytestdb&amp;ns=public</a:t>
+            </a:r>
+            <a:endParaRPr lang="en-US" dirty="0"/>
+          </a:p>
+          <a:p>
+            <a:r>
+              <a:rPr lang="en-US" dirty="0"/>
+              <a:t>Password: password</a:t>
+            </a:r>
+          </a:p>
+          <a:p>
+            <a:r>
+              <a:rPr lang="en-US" dirty="0"/>
+              <a:t>If you click on “database </a:t>
+            </a:r>
+            <a:r>
+              <a:rPr lang="en-US" dirty="0" err="1"/>
+              <a:t>shema</a:t>
+            </a:r>
+            <a:r>
+              <a:rPr lang="en-US" dirty="0"/>
+              <a:t>” it should look nearly the same as your model </a:t>
+            </a:r>
+          </a:p>
+        </p:txBody>
+      </p:sp>
+      <p:pic>
+        <p:nvPicPr>
+          <p:cNvPr id="7" name="Grafik 6">
+            <a:extLst>
+              <a:ext uri="{FF2B5EF4-FFF2-40B4-BE49-F238E27FC236}">
+                <a16:creationId xmlns:a16="http://schemas.microsoft.com/office/drawing/2014/main" id="{3EC10CE0-9309-48B3-82CC-6C4DE5C7BD79}"/>
+              </a:ext>
+            </a:extLst>
+          </p:cNvPr>
+          <p:cNvPicPr>
+            <a:picLocks noChangeAspect="1"/>
+          </p:cNvPicPr>
+          <p:nvPr/>
+        </p:nvPicPr>
+        <p:blipFill>
+          <a:blip r:embed="rId3"/>
+          <a:stretch>
+            <a:fillRect/>
+          </a:stretch>
+        </p:blipFill>
+        <p:spPr>
+          <a:xfrm>
+            <a:off x="7950344" y="1289304"/>
+            <a:ext cx="4105275" cy="4514850"/>
+          </a:xfrm>
+          <a:prstGeom prst="rect">
+            <a:avLst/>
+          </a:prstGeom>
+        </p:spPr>
+      </p:pic>
     </p:spTree>
     <p:extLst>
       <p:ext uri="{BB962C8B-B14F-4D97-AF65-F5344CB8AC3E}">
